--- a/ppt 16-9/1485.你的头发已被.pptx
+++ b/ppt 16-9/1485.你的头发已被.pptx
@@ -129,7 +129,7 @@
           <p:cNvPr id="2" name="标题 1">
             <a:extLst>
               <a:ext uri="{FF2B5EF4-FFF2-40B4-BE49-F238E27FC236}">
-                <a16:creationId xmlns:a16="http://schemas.microsoft.com/office/drawing/2014/main" id="{2F99B8C4-C38D-6C8E-727D-291F02F462A4}"/>
+                <a16:creationId xmlns:a16="http://schemas.microsoft.com/office/drawing/2014/main" id="{322F9E82-1CDF-29BC-0B29-489C566A85DD}"/>
               </a:ext>
             </a:extLst>
           </p:cNvPr>
@@ -166,7 +166,7 @@
           <p:cNvPr id="3" name="副标题 2">
             <a:extLst>
               <a:ext uri="{FF2B5EF4-FFF2-40B4-BE49-F238E27FC236}">
-                <a16:creationId xmlns:a16="http://schemas.microsoft.com/office/drawing/2014/main" id="{68BF674E-559C-29BA-BCDE-F5D8C94F0975}"/>
+                <a16:creationId xmlns:a16="http://schemas.microsoft.com/office/drawing/2014/main" id="{BCFFED0A-2235-257F-B044-D1CEB78143CF}"/>
               </a:ext>
             </a:extLst>
           </p:cNvPr>
@@ -236,7 +236,7 @@
           <p:cNvPr id="4" name="日期占位符 3">
             <a:extLst>
               <a:ext uri="{FF2B5EF4-FFF2-40B4-BE49-F238E27FC236}">
-                <a16:creationId xmlns:a16="http://schemas.microsoft.com/office/drawing/2014/main" id="{B9252D8F-F5A1-F74A-6932-B132D1C7C150}"/>
+                <a16:creationId xmlns:a16="http://schemas.microsoft.com/office/drawing/2014/main" id="{B7746F8F-5E65-A24B-8876-90F8E3B5B937}"/>
               </a:ext>
             </a:extLst>
           </p:cNvPr>
@@ -252,7 +252,7 @@
           <a:bodyPr/>
           <a:lstStyle/>
           <a:p>
-            <a:fld id="{E0B442FA-FBE9-421D-A7C4-5C355EBC7781}" type="datetimeFigureOut">
+            <a:fld id="{68219AEC-8C2E-4F72-9484-A87C92D5657D}" type="datetimeFigureOut">
               <a:rPr lang="zh-CN" altLang="en-US" smtClean="0"/>
               <a:t>2024/3/10</a:t>
             </a:fld>
@@ -265,7 +265,7 @@
           <p:cNvPr id="5" name="页脚占位符 4">
             <a:extLst>
               <a:ext uri="{FF2B5EF4-FFF2-40B4-BE49-F238E27FC236}">
-                <a16:creationId xmlns:a16="http://schemas.microsoft.com/office/drawing/2014/main" id="{3226BA1A-C619-B0CC-BA7B-11FB013A7437}"/>
+                <a16:creationId xmlns:a16="http://schemas.microsoft.com/office/drawing/2014/main" id="{D3B8E76A-67BF-2A57-2C65-78C05808D7C0}"/>
               </a:ext>
             </a:extLst>
           </p:cNvPr>
@@ -290,7 +290,7 @@
           <p:cNvPr id="6" name="灯片编号占位符 5">
             <a:extLst>
               <a:ext uri="{FF2B5EF4-FFF2-40B4-BE49-F238E27FC236}">
-                <a16:creationId xmlns:a16="http://schemas.microsoft.com/office/drawing/2014/main" id="{17231DE8-A2DB-E2CC-8985-750496EFDE6A}"/>
+                <a16:creationId xmlns:a16="http://schemas.microsoft.com/office/drawing/2014/main" id="{446726E0-F77D-6692-9085-02EAEAB1CCC8}"/>
               </a:ext>
             </a:extLst>
           </p:cNvPr>
@@ -306,7 +306,7 @@
           <a:bodyPr/>
           <a:lstStyle/>
           <a:p>
-            <a:fld id="{55BAD1FC-5321-48B8-9FF8-B36A89BF913E}" type="slidenum">
+            <a:fld id="{CA04013A-AC39-4086-921F-49052E249052}" type="slidenum">
               <a:rPr lang="zh-CN" altLang="en-US" smtClean="0"/>
               <a:t>‹#›</a:t>
             </a:fld>
@@ -317,7 +317,7 @@
     </p:spTree>
     <p:extLst>
       <p:ext uri="{BB962C8B-B14F-4D97-AF65-F5344CB8AC3E}">
-        <p14:creationId xmlns:p14="http://schemas.microsoft.com/office/powerpoint/2010/main" val="1792617566"/>
+        <p14:creationId xmlns:p14="http://schemas.microsoft.com/office/powerpoint/2010/main" val="3404772834"/>
       </p:ext>
     </p:extLst>
   </p:cSld>
@@ -349,7 +349,7 @@
           <p:cNvPr id="2" name="标题 1">
             <a:extLst>
               <a:ext uri="{FF2B5EF4-FFF2-40B4-BE49-F238E27FC236}">
-                <a16:creationId xmlns:a16="http://schemas.microsoft.com/office/drawing/2014/main" id="{D9D41BF5-DA70-8A68-765F-EBAD38051014}"/>
+                <a16:creationId xmlns:a16="http://schemas.microsoft.com/office/drawing/2014/main" id="{6BCD475E-59CA-21DB-AAE9-F4AD55902E34}"/>
               </a:ext>
             </a:extLst>
           </p:cNvPr>
@@ -377,7 +377,7 @@
           <p:cNvPr id="3" name="竖排文字占位符 2">
             <a:extLst>
               <a:ext uri="{FF2B5EF4-FFF2-40B4-BE49-F238E27FC236}">
-                <a16:creationId xmlns:a16="http://schemas.microsoft.com/office/drawing/2014/main" id="{EB4E18C9-C403-12A6-5757-004B7E45C39B}"/>
+                <a16:creationId xmlns:a16="http://schemas.microsoft.com/office/drawing/2014/main" id="{80CDC482-4903-089D-401B-5DEE2EF83161}"/>
               </a:ext>
             </a:extLst>
           </p:cNvPr>
@@ -434,7 +434,7 @@
           <p:cNvPr id="4" name="日期占位符 3">
             <a:extLst>
               <a:ext uri="{FF2B5EF4-FFF2-40B4-BE49-F238E27FC236}">
-                <a16:creationId xmlns:a16="http://schemas.microsoft.com/office/drawing/2014/main" id="{302259FA-871C-B379-2F76-1062E34FA753}"/>
+                <a16:creationId xmlns:a16="http://schemas.microsoft.com/office/drawing/2014/main" id="{2F1A479E-B606-2C17-9050-240729C2D951}"/>
               </a:ext>
             </a:extLst>
           </p:cNvPr>
@@ -450,7 +450,7 @@
           <a:bodyPr/>
           <a:lstStyle/>
           <a:p>
-            <a:fld id="{E0B442FA-FBE9-421D-A7C4-5C355EBC7781}" type="datetimeFigureOut">
+            <a:fld id="{68219AEC-8C2E-4F72-9484-A87C92D5657D}" type="datetimeFigureOut">
               <a:rPr lang="zh-CN" altLang="en-US" smtClean="0"/>
               <a:t>2024/3/10</a:t>
             </a:fld>
@@ -463,7 +463,7 @@
           <p:cNvPr id="5" name="页脚占位符 4">
             <a:extLst>
               <a:ext uri="{FF2B5EF4-FFF2-40B4-BE49-F238E27FC236}">
-                <a16:creationId xmlns:a16="http://schemas.microsoft.com/office/drawing/2014/main" id="{4AEDDFE1-813B-98E7-4C5F-23CB7AE5194F}"/>
+                <a16:creationId xmlns:a16="http://schemas.microsoft.com/office/drawing/2014/main" id="{0B3CE5AF-DD3E-C638-36C7-FD95EB5EEA2E}"/>
               </a:ext>
             </a:extLst>
           </p:cNvPr>
@@ -488,7 +488,7 @@
           <p:cNvPr id="6" name="灯片编号占位符 5">
             <a:extLst>
               <a:ext uri="{FF2B5EF4-FFF2-40B4-BE49-F238E27FC236}">
-                <a16:creationId xmlns:a16="http://schemas.microsoft.com/office/drawing/2014/main" id="{08A3F320-E283-0BD5-5EAD-A64752D10773}"/>
+                <a16:creationId xmlns:a16="http://schemas.microsoft.com/office/drawing/2014/main" id="{5578398C-0F41-B381-870B-3C076E38029C}"/>
               </a:ext>
             </a:extLst>
           </p:cNvPr>
@@ -504,7 +504,7 @@
           <a:bodyPr/>
           <a:lstStyle/>
           <a:p>
-            <a:fld id="{55BAD1FC-5321-48B8-9FF8-B36A89BF913E}" type="slidenum">
+            <a:fld id="{CA04013A-AC39-4086-921F-49052E249052}" type="slidenum">
               <a:rPr lang="zh-CN" altLang="en-US" smtClean="0"/>
               <a:t>‹#›</a:t>
             </a:fld>
@@ -515,7 +515,7 @@
     </p:spTree>
     <p:extLst>
       <p:ext uri="{BB962C8B-B14F-4D97-AF65-F5344CB8AC3E}">
-        <p14:creationId xmlns:p14="http://schemas.microsoft.com/office/powerpoint/2010/main" val="239911032"/>
+        <p14:creationId xmlns:p14="http://schemas.microsoft.com/office/powerpoint/2010/main" val="395263918"/>
       </p:ext>
     </p:extLst>
   </p:cSld>
@@ -547,7 +547,7 @@
           <p:cNvPr id="2" name="竖排标题 1">
             <a:extLst>
               <a:ext uri="{FF2B5EF4-FFF2-40B4-BE49-F238E27FC236}">
-                <a16:creationId xmlns:a16="http://schemas.microsoft.com/office/drawing/2014/main" id="{D7262640-4380-5B72-3035-1C79A56B1ED3}"/>
+                <a16:creationId xmlns:a16="http://schemas.microsoft.com/office/drawing/2014/main" id="{CDAC0E16-B7C4-6E9F-E6B0-705193DDB180}"/>
               </a:ext>
             </a:extLst>
           </p:cNvPr>
@@ -580,7 +580,7 @@
           <p:cNvPr id="3" name="竖排文字占位符 2">
             <a:extLst>
               <a:ext uri="{FF2B5EF4-FFF2-40B4-BE49-F238E27FC236}">
-                <a16:creationId xmlns:a16="http://schemas.microsoft.com/office/drawing/2014/main" id="{BF2FA71F-49D0-E116-43E7-F5D11EB42450}"/>
+                <a16:creationId xmlns:a16="http://schemas.microsoft.com/office/drawing/2014/main" id="{807E2799-FCC2-7700-3DE0-4616F95F76F8}"/>
               </a:ext>
             </a:extLst>
           </p:cNvPr>
@@ -642,7 +642,7 @@
           <p:cNvPr id="4" name="日期占位符 3">
             <a:extLst>
               <a:ext uri="{FF2B5EF4-FFF2-40B4-BE49-F238E27FC236}">
-                <a16:creationId xmlns:a16="http://schemas.microsoft.com/office/drawing/2014/main" id="{87A530D5-5F6A-F146-5B89-51B2A8FB6681}"/>
+                <a16:creationId xmlns:a16="http://schemas.microsoft.com/office/drawing/2014/main" id="{0E02A20E-B8E4-2AFD-6DE9-4E2149360677}"/>
               </a:ext>
             </a:extLst>
           </p:cNvPr>
@@ -658,7 +658,7 @@
           <a:bodyPr/>
           <a:lstStyle/>
           <a:p>
-            <a:fld id="{E0B442FA-FBE9-421D-A7C4-5C355EBC7781}" type="datetimeFigureOut">
+            <a:fld id="{68219AEC-8C2E-4F72-9484-A87C92D5657D}" type="datetimeFigureOut">
               <a:rPr lang="zh-CN" altLang="en-US" smtClean="0"/>
               <a:t>2024/3/10</a:t>
             </a:fld>
@@ -671,7 +671,7 @@
           <p:cNvPr id="5" name="页脚占位符 4">
             <a:extLst>
               <a:ext uri="{FF2B5EF4-FFF2-40B4-BE49-F238E27FC236}">
-                <a16:creationId xmlns:a16="http://schemas.microsoft.com/office/drawing/2014/main" id="{A665CF60-ED76-66F2-A97F-10FB6950C86E}"/>
+                <a16:creationId xmlns:a16="http://schemas.microsoft.com/office/drawing/2014/main" id="{7549AC90-E764-F5A2-8411-7F0A9C2F6EF1}"/>
               </a:ext>
             </a:extLst>
           </p:cNvPr>
@@ -696,7 +696,7 @@
           <p:cNvPr id="6" name="灯片编号占位符 5">
             <a:extLst>
               <a:ext uri="{FF2B5EF4-FFF2-40B4-BE49-F238E27FC236}">
-                <a16:creationId xmlns:a16="http://schemas.microsoft.com/office/drawing/2014/main" id="{7D01FAFC-BF8D-DB79-5366-44243CD81487}"/>
+                <a16:creationId xmlns:a16="http://schemas.microsoft.com/office/drawing/2014/main" id="{BFCEF055-B4A8-CE03-859D-5CF73922D0F7}"/>
               </a:ext>
             </a:extLst>
           </p:cNvPr>
@@ -712,7 +712,7 @@
           <a:bodyPr/>
           <a:lstStyle/>
           <a:p>
-            <a:fld id="{55BAD1FC-5321-48B8-9FF8-B36A89BF913E}" type="slidenum">
+            <a:fld id="{CA04013A-AC39-4086-921F-49052E249052}" type="slidenum">
               <a:rPr lang="zh-CN" altLang="en-US" smtClean="0"/>
               <a:t>‹#›</a:t>
             </a:fld>
@@ -723,7 +723,7 @@
     </p:spTree>
     <p:extLst>
       <p:ext uri="{BB962C8B-B14F-4D97-AF65-F5344CB8AC3E}">
-        <p14:creationId xmlns:p14="http://schemas.microsoft.com/office/powerpoint/2010/main" val="3636123381"/>
+        <p14:creationId xmlns:p14="http://schemas.microsoft.com/office/powerpoint/2010/main" val="2110167551"/>
       </p:ext>
     </p:extLst>
   </p:cSld>
@@ -755,7 +755,7 @@
           <p:cNvPr id="2" name="标题 1">
             <a:extLst>
               <a:ext uri="{FF2B5EF4-FFF2-40B4-BE49-F238E27FC236}">
-                <a16:creationId xmlns:a16="http://schemas.microsoft.com/office/drawing/2014/main" id="{641317F7-7631-F03E-7AB4-48F041C92D75}"/>
+                <a16:creationId xmlns:a16="http://schemas.microsoft.com/office/drawing/2014/main" id="{16A19C4B-F8C1-A748-C30D-795817C2BBA6}"/>
               </a:ext>
             </a:extLst>
           </p:cNvPr>
@@ -783,7 +783,7 @@
           <p:cNvPr id="3" name="内容占位符 2">
             <a:extLst>
               <a:ext uri="{FF2B5EF4-FFF2-40B4-BE49-F238E27FC236}">
-                <a16:creationId xmlns:a16="http://schemas.microsoft.com/office/drawing/2014/main" id="{8995AC2F-8A57-6E0B-3EF3-52B05147FC33}"/>
+                <a16:creationId xmlns:a16="http://schemas.microsoft.com/office/drawing/2014/main" id="{C9A1A11F-8D47-DE3C-8AE0-10D957303A61}"/>
               </a:ext>
             </a:extLst>
           </p:cNvPr>
@@ -840,7 +840,7 @@
           <p:cNvPr id="4" name="日期占位符 3">
             <a:extLst>
               <a:ext uri="{FF2B5EF4-FFF2-40B4-BE49-F238E27FC236}">
-                <a16:creationId xmlns:a16="http://schemas.microsoft.com/office/drawing/2014/main" id="{7BC00F22-4532-280F-EE0F-5F71CA812874}"/>
+                <a16:creationId xmlns:a16="http://schemas.microsoft.com/office/drawing/2014/main" id="{EE53E1A2-CAA5-7D29-12BA-661FB4F87DE2}"/>
               </a:ext>
             </a:extLst>
           </p:cNvPr>
@@ -856,7 +856,7 @@
           <a:bodyPr/>
           <a:lstStyle/>
           <a:p>
-            <a:fld id="{E0B442FA-FBE9-421D-A7C4-5C355EBC7781}" type="datetimeFigureOut">
+            <a:fld id="{68219AEC-8C2E-4F72-9484-A87C92D5657D}" type="datetimeFigureOut">
               <a:rPr lang="zh-CN" altLang="en-US" smtClean="0"/>
               <a:t>2024/3/10</a:t>
             </a:fld>
@@ -869,7 +869,7 @@
           <p:cNvPr id="5" name="页脚占位符 4">
             <a:extLst>
               <a:ext uri="{FF2B5EF4-FFF2-40B4-BE49-F238E27FC236}">
-                <a16:creationId xmlns:a16="http://schemas.microsoft.com/office/drawing/2014/main" id="{B02E7B22-E61F-5E2A-61AE-A1311C965195}"/>
+                <a16:creationId xmlns:a16="http://schemas.microsoft.com/office/drawing/2014/main" id="{121F815C-6D56-7E5B-F9EE-054C88C5481A}"/>
               </a:ext>
             </a:extLst>
           </p:cNvPr>
@@ -894,7 +894,7 @@
           <p:cNvPr id="6" name="灯片编号占位符 5">
             <a:extLst>
               <a:ext uri="{FF2B5EF4-FFF2-40B4-BE49-F238E27FC236}">
-                <a16:creationId xmlns:a16="http://schemas.microsoft.com/office/drawing/2014/main" id="{E7E0DC9E-352B-F92C-4002-ED387982DBCD}"/>
+                <a16:creationId xmlns:a16="http://schemas.microsoft.com/office/drawing/2014/main" id="{8A653457-1B3D-9214-6191-A4186E263EBA}"/>
               </a:ext>
             </a:extLst>
           </p:cNvPr>
@@ -910,7 +910,7 @@
           <a:bodyPr/>
           <a:lstStyle/>
           <a:p>
-            <a:fld id="{55BAD1FC-5321-48B8-9FF8-B36A89BF913E}" type="slidenum">
+            <a:fld id="{CA04013A-AC39-4086-921F-49052E249052}" type="slidenum">
               <a:rPr lang="zh-CN" altLang="en-US" smtClean="0"/>
               <a:t>‹#›</a:t>
             </a:fld>
@@ -921,7 +921,7 @@
     </p:spTree>
     <p:extLst>
       <p:ext uri="{BB962C8B-B14F-4D97-AF65-F5344CB8AC3E}">
-        <p14:creationId xmlns:p14="http://schemas.microsoft.com/office/powerpoint/2010/main" val="776512101"/>
+        <p14:creationId xmlns:p14="http://schemas.microsoft.com/office/powerpoint/2010/main" val="3085312999"/>
       </p:ext>
     </p:extLst>
   </p:cSld>
@@ -953,7 +953,7 @@
           <p:cNvPr id="2" name="标题 1">
             <a:extLst>
               <a:ext uri="{FF2B5EF4-FFF2-40B4-BE49-F238E27FC236}">
-                <a16:creationId xmlns:a16="http://schemas.microsoft.com/office/drawing/2014/main" id="{7849D18C-D70D-E1C1-AB5A-830162EDE326}"/>
+                <a16:creationId xmlns:a16="http://schemas.microsoft.com/office/drawing/2014/main" id="{FD8FCFA9-32DF-82BF-1E42-2C14DBB77B71}"/>
               </a:ext>
             </a:extLst>
           </p:cNvPr>
@@ -990,7 +990,7 @@
           <p:cNvPr id="3" name="文本占位符 2">
             <a:extLst>
               <a:ext uri="{FF2B5EF4-FFF2-40B4-BE49-F238E27FC236}">
-                <a16:creationId xmlns:a16="http://schemas.microsoft.com/office/drawing/2014/main" id="{35841A1D-1070-58DF-0E8C-722BAAB72D88}"/>
+                <a16:creationId xmlns:a16="http://schemas.microsoft.com/office/drawing/2014/main" id="{05EF21E0-1AAA-89E3-E7F8-07FE3F942C06}"/>
               </a:ext>
             </a:extLst>
           </p:cNvPr>
@@ -1115,7 +1115,7 @@
           <p:cNvPr id="4" name="日期占位符 3">
             <a:extLst>
               <a:ext uri="{FF2B5EF4-FFF2-40B4-BE49-F238E27FC236}">
-                <a16:creationId xmlns:a16="http://schemas.microsoft.com/office/drawing/2014/main" id="{23924C81-E315-293C-DBD1-8B4F96CF9E5E}"/>
+                <a16:creationId xmlns:a16="http://schemas.microsoft.com/office/drawing/2014/main" id="{5FC03F96-D281-7016-3A8C-DED04C92ECEF}"/>
               </a:ext>
             </a:extLst>
           </p:cNvPr>
@@ -1131,7 +1131,7 @@
           <a:bodyPr/>
           <a:lstStyle/>
           <a:p>
-            <a:fld id="{E0B442FA-FBE9-421D-A7C4-5C355EBC7781}" type="datetimeFigureOut">
+            <a:fld id="{68219AEC-8C2E-4F72-9484-A87C92D5657D}" type="datetimeFigureOut">
               <a:rPr lang="zh-CN" altLang="en-US" smtClean="0"/>
               <a:t>2024/3/10</a:t>
             </a:fld>
@@ -1144,7 +1144,7 @@
           <p:cNvPr id="5" name="页脚占位符 4">
             <a:extLst>
               <a:ext uri="{FF2B5EF4-FFF2-40B4-BE49-F238E27FC236}">
-                <a16:creationId xmlns:a16="http://schemas.microsoft.com/office/drawing/2014/main" id="{89BDA33B-D49F-41FB-3FAF-C16A3816F9DB}"/>
+                <a16:creationId xmlns:a16="http://schemas.microsoft.com/office/drawing/2014/main" id="{00641E79-32B5-A256-DF1D-5A73FAD47250}"/>
               </a:ext>
             </a:extLst>
           </p:cNvPr>
@@ -1169,7 +1169,7 @@
           <p:cNvPr id="6" name="灯片编号占位符 5">
             <a:extLst>
               <a:ext uri="{FF2B5EF4-FFF2-40B4-BE49-F238E27FC236}">
-                <a16:creationId xmlns:a16="http://schemas.microsoft.com/office/drawing/2014/main" id="{E6E9F688-2133-3A76-9DC9-3C029327C349}"/>
+                <a16:creationId xmlns:a16="http://schemas.microsoft.com/office/drawing/2014/main" id="{A12D7056-1A93-AD18-2E6C-1E1512171E98}"/>
               </a:ext>
             </a:extLst>
           </p:cNvPr>
@@ -1185,7 +1185,7 @@
           <a:bodyPr/>
           <a:lstStyle/>
           <a:p>
-            <a:fld id="{55BAD1FC-5321-48B8-9FF8-B36A89BF913E}" type="slidenum">
+            <a:fld id="{CA04013A-AC39-4086-921F-49052E249052}" type="slidenum">
               <a:rPr lang="zh-CN" altLang="en-US" smtClean="0"/>
               <a:t>‹#›</a:t>
             </a:fld>
@@ -1196,7 +1196,7 @@
     </p:spTree>
     <p:extLst>
       <p:ext uri="{BB962C8B-B14F-4D97-AF65-F5344CB8AC3E}">
-        <p14:creationId xmlns:p14="http://schemas.microsoft.com/office/powerpoint/2010/main" val="2659522725"/>
+        <p14:creationId xmlns:p14="http://schemas.microsoft.com/office/powerpoint/2010/main" val="3744655893"/>
       </p:ext>
     </p:extLst>
   </p:cSld>
@@ -1228,7 +1228,7 @@
           <p:cNvPr id="2" name="标题 1">
             <a:extLst>
               <a:ext uri="{FF2B5EF4-FFF2-40B4-BE49-F238E27FC236}">
-                <a16:creationId xmlns:a16="http://schemas.microsoft.com/office/drawing/2014/main" id="{BD0F15AF-ED95-C201-FB3D-1B8F60D829C3}"/>
+                <a16:creationId xmlns:a16="http://schemas.microsoft.com/office/drawing/2014/main" id="{84A3D6D5-1DF9-477F-728E-829659894DB2}"/>
               </a:ext>
             </a:extLst>
           </p:cNvPr>
@@ -1256,7 +1256,7 @@
           <p:cNvPr id="3" name="内容占位符 2">
             <a:extLst>
               <a:ext uri="{FF2B5EF4-FFF2-40B4-BE49-F238E27FC236}">
-                <a16:creationId xmlns:a16="http://schemas.microsoft.com/office/drawing/2014/main" id="{1174469D-8CB7-3205-6C3A-644892885822}"/>
+                <a16:creationId xmlns:a16="http://schemas.microsoft.com/office/drawing/2014/main" id="{97867AA2-AC85-3B5F-7714-938480431D92}"/>
               </a:ext>
             </a:extLst>
           </p:cNvPr>
@@ -1318,7 +1318,7 @@
           <p:cNvPr id="4" name="内容占位符 3">
             <a:extLst>
               <a:ext uri="{FF2B5EF4-FFF2-40B4-BE49-F238E27FC236}">
-                <a16:creationId xmlns:a16="http://schemas.microsoft.com/office/drawing/2014/main" id="{8FFD3561-C321-A221-E196-CF1E1E026045}"/>
+                <a16:creationId xmlns:a16="http://schemas.microsoft.com/office/drawing/2014/main" id="{DAE07CB3-604B-61FC-C34F-F95E387BF21A}"/>
               </a:ext>
             </a:extLst>
           </p:cNvPr>
@@ -1380,7 +1380,7 @@
           <p:cNvPr id="5" name="日期占位符 4">
             <a:extLst>
               <a:ext uri="{FF2B5EF4-FFF2-40B4-BE49-F238E27FC236}">
-                <a16:creationId xmlns:a16="http://schemas.microsoft.com/office/drawing/2014/main" id="{AE5A26F5-E511-B731-5B98-6D5512BD46B0}"/>
+                <a16:creationId xmlns:a16="http://schemas.microsoft.com/office/drawing/2014/main" id="{1ECC272A-1C17-A2B6-A610-A13D418518B9}"/>
               </a:ext>
             </a:extLst>
           </p:cNvPr>
@@ -1396,7 +1396,7 @@
           <a:bodyPr/>
           <a:lstStyle/>
           <a:p>
-            <a:fld id="{E0B442FA-FBE9-421D-A7C4-5C355EBC7781}" type="datetimeFigureOut">
+            <a:fld id="{68219AEC-8C2E-4F72-9484-A87C92D5657D}" type="datetimeFigureOut">
               <a:rPr lang="zh-CN" altLang="en-US" smtClean="0"/>
               <a:t>2024/3/10</a:t>
             </a:fld>
@@ -1409,7 +1409,7 @@
           <p:cNvPr id="6" name="页脚占位符 5">
             <a:extLst>
               <a:ext uri="{FF2B5EF4-FFF2-40B4-BE49-F238E27FC236}">
-                <a16:creationId xmlns:a16="http://schemas.microsoft.com/office/drawing/2014/main" id="{5D79588E-F327-BC1B-8E24-558F3EBC59F8}"/>
+                <a16:creationId xmlns:a16="http://schemas.microsoft.com/office/drawing/2014/main" id="{AD87981F-3B2A-29A6-1603-C6D098D14988}"/>
               </a:ext>
             </a:extLst>
           </p:cNvPr>
@@ -1434,7 +1434,7 @@
           <p:cNvPr id="7" name="灯片编号占位符 6">
             <a:extLst>
               <a:ext uri="{FF2B5EF4-FFF2-40B4-BE49-F238E27FC236}">
-                <a16:creationId xmlns:a16="http://schemas.microsoft.com/office/drawing/2014/main" id="{56534BE4-424E-D045-984F-05A6ED04BE86}"/>
+                <a16:creationId xmlns:a16="http://schemas.microsoft.com/office/drawing/2014/main" id="{F731AF41-00FE-6754-66FC-49644C76F5A5}"/>
               </a:ext>
             </a:extLst>
           </p:cNvPr>
@@ -1450,7 +1450,7 @@
           <a:bodyPr/>
           <a:lstStyle/>
           <a:p>
-            <a:fld id="{55BAD1FC-5321-48B8-9FF8-B36A89BF913E}" type="slidenum">
+            <a:fld id="{CA04013A-AC39-4086-921F-49052E249052}" type="slidenum">
               <a:rPr lang="zh-CN" altLang="en-US" smtClean="0"/>
               <a:t>‹#›</a:t>
             </a:fld>
@@ -1461,7 +1461,7 @@
     </p:spTree>
     <p:extLst>
       <p:ext uri="{BB962C8B-B14F-4D97-AF65-F5344CB8AC3E}">
-        <p14:creationId xmlns:p14="http://schemas.microsoft.com/office/powerpoint/2010/main" val="2024421977"/>
+        <p14:creationId xmlns:p14="http://schemas.microsoft.com/office/powerpoint/2010/main" val="1871100487"/>
       </p:ext>
     </p:extLst>
   </p:cSld>
@@ -1493,7 +1493,7 @@
           <p:cNvPr id="2" name="标题 1">
             <a:extLst>
               <a:ext uri="{FF2B5EF4-FFF2-40B4-BE49-F238E27FC236}">
-                <a16:creationId xmlns:a16="http://schemas.microsoft.com/office/drawing/2014/main" id="{CE7E7470-5D83-134F-E6BF-48517F691635}"/>
+                <a16:creationId xmlns:a16="http://schemas.microsoft.com/office/drawing/2014/main" id="{67AF0EC3-11D1-6264-7587-623C0F5DEED1}"/>
               </a:ext>
             </a:extLst>
           </p:cNvPr>
@@ -1526,7 +1526,7 @@
           <p:cNvPr id="3" name="文本占位符 2">
             <a:extLst>
               <a:ext uri="{FF2B5EF4-FFF2-40B4-BE49-F238E27FC236}">
-                <a16:creationId xmlns:a16="http://schemas.microsoft.com/office/drawing/2014/main" id="{BDC4C576-06A0-F77C-1BC3-05D3F9D0DDE2}"/>
+                <a16:creationId xmlns:a16="http://schemas.microsoft.com/office/drawing/2014/main" id="{D0A437DE-0944-2AD7-15D0-CE97AB506033}"/>
               </a:ext>
             </a:extLst>
           </p:cNvPr>
@@ -1597,7 +1597,7 @@
           <p:cNvPr id="4" name="内容占位符 3">
             <a:extLst>
               <a:ext uri="{FF2B5EF4-FFF2-40B4-BE49-F238E27FC236}">
-                <a16:creationId xmlns:a16="http://schemas.microsoft.com/office/drawing/2014/main" id="{7801CCBD-5931-8E81-C7CE-CCA93176214B}"/>
+                <a16:creationId xmlns:a16="http://schemas.microsoft.com/office/drawing/2014/main" id="{C87C3611-9B57-42B9-9432-513A46786AC3}"/>
               </a:ext>
             </a:extLst>
           </p:cNvPr>
@@ -1659,7 +1659,7 @@
           <p:cNvPr id="5" name="文本占位符 4">
             <a:extLst>
               <a:ext uri="{FF2B5EF4-FFF2-40B4-BE49-F238E27FC236}">
-                <a16:creationId xmlns:a16="http://schemas.microsoft.com/office/drawing/2014/main" id="{DB775E2D-017D-C939-49BA-A388DEE38606}"/>
+                <a16:creationId xmlns:a16="http://schemas.microsoft.com/office/drawing/2014/main" id="{ACA25803-4D08-73FC-DE9F-B24B22B02E7E}"/>
               </a:ext>
             </a:extLst>
           </p:cNvPr>
@@ -1730,7 +1730,7 @@
           <p:cNvPr id="6" name="内容占位符 5">
             <a:extLst>
               <a:ext uri="{FF2B5EF4-FFF2-40B4-BE49-F238E27FC236}">
-                <a16:creationId xmlns:a16="http://schemas.microsoft.com/office/drawing/2014/main" id="{016C888B-1C66-C993-2F65-691EB4E2B009}"/>
+                <a16:creationId xmlns:a16="http://schemas.microsoft.com/office/drawing/2014/main" id="{9B6E884C-40A0-2EB5-20AF-B409A1032FFD}"/>
               </a:ext>
             </a:extLst>
           </p:cNvPr>
@@ -1792,7 +1792,7 @@
           <p:cNvPr id="7" name="日期占位符 6">
             <a:extLst>
               <a:ext uri="{FF2B5EF4-FFF2-40B4-BE49-F238E27FC236}">
-                <a16:creationId xmlns:a16="http://schemas.microsoft.com/office/drawing/2014/main" id="{0278E725-FC16-4B49-1E95-2F743AFEEB64}"/>
+                <a16:creationId xmlns:a16="http://schemas.microsoft.com/office/drawing/2014/main" id="{69062112-E714-5002-20CF-69E8FB1FB017}"/>
               </a:ext>
             </a:extLst>
           </p:cNvPr>
@@ -1808,7 +1808,7 @@
           <a:bodyPr/>
           <a:lstStyle/>
           <a:p>
-            <a:fld id="{E0B442FA-FBE9-421D-A7C4-5C355EBC7781}" type="datetimeFigureOut">
+            <a:fld id="{68219AEC-8C2E-4F72-9484-A87C92D5657D}" type="datetimeFigureOut">
               <a:rPr lang="zh-CN" altLang="en-US" smtClean="0"/>
               <a:t>2024/3/10</a:t>
             </a:fld>
@@ -1821,7 +1821,7 @@
           <p:cNvPr id="8" name="页脚占位符 7">
             <a:extLst>
               <a:ext uri="{FF2B5EF4-FFF2-40B4-BE49-F238E27FC236}">
-                <a16:creationId xmlns:a16="http://schemas.microsoft.com/office/drawing/2014/main" id="{83F2A3A9-17D3-5309-DBB0-0B489FF246A0}"/>
+                <a16:creationId xmlns:a16="http://schemas.microsoft.com/office/drawing/2014/main" id="{7D3A8767-AA47-7DAB-7746-9B3F3D748FFD}"/>
               </a:ext>
             </a:extLst>
           </p:cNvPr>
@@ -1846,7 +1846,7 @@
           <p:cNvPr id="9" name="灯片编号占位符 8">
             <a:extLst>
               <a:ext uri="{FF2B5EF4-FFF2-40B4-BE49-F238E27FC236}">
-                <a16:creationId xmlns:a16="http://schemas.microsoft.com/office/drawing/2014/main" id="{989BF780-0CBE-D568-557D-971AB926A99A}"/>
+                <a16:creationId xmlns:a16="http://schemas.microsoft.com/office/drawing/2014/main" id="{9C10452E-4B6F-906A-F63B-089B727E003B}"/>
               </a:ext>
             </a:extLst>
           </p:cNvPr>
@@ -1862,7 +1862,7 @@
           <a:bodyPr/>
           <a:lstStyle/>
           <a:p>
-            <a:fld id="{55BAD1FC-5321-48B8-9FF8-B36A89BF913E}" type="slidenum">
+            <a:fld id="{CA04013A-AC39-4086-921F-49052E249052}" type="slidenum">
               <a:rPr lang="zh-CN" altLang="en-US" smtClean="0"/>
               <a:t>‹#›</a:t>
             </a:fld>
@@ -1873,7 +1873,7 @@
     </p:spTree>
     <p:extLst>
       <p:ext uri="{BB962C8B-B14F-4D97-AF65-F5344CB8AC3E}">
-        <p14:creationId xmlns:p14="http://schemas.microsoft.com/office/powerpoint/2010/main" val="574008796"/>
+        <p14:creationId xmlns:p14="http://schemas.microsoft.com/office/powerpoint/2010/main" val="540926549"/>
       </p:ext>
     </p:extLst>
   </p:cSld>
@@ -1905,7 +1905,7 @@
           <p:cNvPr id="2" name="标题 1">
             <a:extLst>
               <a:ext uri="{FF2B5EF4-FFF2-40B4-BE49-F238E27FC236}">
-                <a16:creationId xmlns:a16="http://schemas.microsoft.com/office/drawing/2014/main" id="{EF866C2D-3F68-65DC-70CC-B87D6E21FBEB}"/>
+                <a16:creationId xmlns:a16="http://schemas.microsoft.com/office/drawing/2014/main" id="{8B056E15-F747-8EAA-D3FD-F1E4C926AFC5}"/>
               </a:ext>
             </a:extLst>
           </p:cNvPr>
@@ -1933,7 +1933,7 @@
           <p:cNvPr id="3" name="日期占位符 2">
             <a:extLst>
               <a:ext uri="{FF2B5EF4-FFF2-40B4-BE49-F238E27FC236}">
-                <a16:creationId xmlns:a16="http://schemas.microsoft.com/office/drawing/2014/main" id="{4DD9F733-342D-413C-17E7-9D4630C1F180}"/>
+                <a16:creationId xmlns:a16="http://schemas.microsoft.com/office/drawing/2014/main" id="{E28AC5CA-96F4-22C9-BD7B-C2790189C3A2}"/>
               </a:ext>
             </a:extLst>
           </p:cNvPr>
@@ -1949,7 +1949,7 @@
           <a:bodyPr/>
           <a:lstStyle/>
           <a:p>
-            <a:fld id="{E0B442FA-FBE9-421D-A7C4-5C355EBC7781}" type="datetimeFigureOut">
+            <a:fld id="{68219AEC-8C2E-4F72-9484-A87C92D5657D}" type="datetimeFigureOut">
               <a:rPr lang="zh-CN" altLang="en-US" smtClean="0"/>
               <a:t>2024/3/10</a:t>
             </a:fld>
@@ -1962,7 +1962,7 @@
           <p:cNvPr id="4" name="页脚占位符 3">
             <a:extLst>
               <a:ext uri="{FF2B5EF4-FFF2-40B4-BE49-F238E27FC236}">
-                <a16:creationId xmlns:a16="http://schemas.microsoft.com/office/drawing/2014/main" id="{80E9681A-09A0-6A3B-F4DE-4F2D9953373F}"/>
+                <a16:creationId xmlns:a16="http://schemas.microsoft.com/office/drawing/2014/main" id="{D573E865-E4BB-9808-4F4B-8764B6B6BED6}"/>
               </a:ext>
             </a:extLst>
           </p:cNvPr>
@@ -1987,7 +1987,7 @@
           <p:cNvPr id="5" name="灯片编号占位符 4">
             <a:extLst>
               <a:ext uri="{FF2B5EF4-FFF2-40B4-BE49-F238E27FC236}">
-                <a16:creationId xmlns:a16="http://schemas.microsoft.com/office/drawing/2014/main" id="{B5BC9E6E-07AA-602B-2FF7-01D3F5E7187E}"/>
+                <a16:creationId xmlns:a16="http://schemas.microsoft.com/office/drawing/2014/main" id="{B6710AE7-3C23-CCA4-3F45-2C30B1BAA62C}"/>
               </a:ext>
             </a:extLst>
           </p:cNvPr>
@@ -2003,7 +2003,7 @@
           <a:bodyPr/>
           <a:lstStyle/>
           <a:p>
-            <a:fld id="{55BAD1FC-5321-48B8-9FF8-B36A89BF913E}" type="slidenum">
+            <a:fld id="{CA04013A-AC39-4086-921F-49052E249052}" type="slidenum">
               <a:rPr lang="zh-CN" altLang="en-US" smtClean="0"/>
               <a:t>‹#›</a:t>
             </a:fld>
@@ -2014,7 +2014,7 @@
     </p:spTree>
     <p:extLst>
       <p:ext uri="{BB962C8B-B14F-4D97-AF65-F5344CB8AC3E}">
-        <p14:creationId xmlns:p14="http://schemas.microsoft.com/office/powerpoint/2010/main" val="1987984840"/>
+        <p14:creationId xmlns:p14="http://schemas.microsoft.com/office/powerpoint/2010/main" val="237630278"/>
       </p:ext>
     </p:extLst>
   </p:cSld>
@@ -2046,7 +2046,7 @@
           <p:cNvPr id="2" name="日期占位符 1">
             <a:extLst>
               <a:ext uri="{FF2B5EF4-FFF2-40B4-BE49-F238E27FC236}">
-                <a16:creationId xmlns:a16="http://schemas.microsoft.com/office/drawing/2014/main" id="{ACBEEA33-813C-B290-F024-B3A860E1FC6D}"/>
+                <a16:creationId xmlns:a16="http://schemas.microsoft.com/office/drawing/2014/main" id="{7633806B-B2A5-4E2B-3C95-1AA5C4E7986E}"/>
               </a:ext>
             </a:extLst>
           </p:cNvPr>
@@ -2062,7 +2062,7 @@
           <a:bodyPr/>
           <a:lstStyle/>
           <a:p>
-            <a:fld id="{E0B442FA-FBE9-421D-A7C4-5C355EBC7781}" type="datetimeFigureOut">
+            <a:fld id="{68219AEC-8C2E-4F72-9484-A87C92D5657D}" type="datetimeFigureOut">
               <a:rPr lang="zh-CN" altLang="en-US" smtClean="0"/>
               <a:t>2024/3/10</a:t>
             </a:fld>
@@ -2075,7 +2075,7 @@
           <p:cNvPr id="3" name="页脚占位符 2">
             <a:extLst>
               <a:ext uri="{FF2B5EF4-FFF2-40B4-BE49-F238E27FC236}">
-                <a16:creationId xmlns:a16="http://schemas.microsoft.com/office/drawing/2014/main" id="{81B41BC0-0E69-0E46-40A5-44F150F695F7}"/>
+                <a16:creationId xmlns:a16="http://schemas.microsoft.com/office/drawing/2014/main" id="{39FB7B25-2BFD-42B6-35A1-FEE0F0A65FFE}"/>
               </a:ext>
             </a:extLst>
           </p:cNvPr>
@@ -2100,7 +2100,7 @@
           <p:cNvPr id="4" name="灯片编号占位符 3">
             <a:extLst>
               <a:ext uri="{FF2B5EF4-FFF2-40B4-BE49-F238E27FC236}">
-                <a16:creationId xmlns:a16="http://schemas.microsoft.com/office/drawing/2014/main" id="{238A1D61-FCC1-EF74-E6EE-01399F1462A9}"/>
+                <a16:creationId xmlns:a16="http://schemas.microsoft.com/office/drawing/2014/main" id="{9E801020-AC0A-76C5-08C4-8F38896EEE3B}"/>
               </a:ext>
             </a:extLst>
           </p:cNvPr>
@@ -2116,7 +2116,7 @@
           <a:bodyPr/>
           <a:lstStyle/>
           <a:p>
-            <a:fld id="{55BAD1FC-5321-48B8-9FF8-B36A89BF913E}" type="slidenum">
+            <a:fld id="{CA04013A-AC39-4086-921F-49052E249052}" type="slidenum">
               <a:rPr lang="zh-CN" altLang="en-US" smtClean="0"/>
               <a:t>‹#›</a:t>
             </a:fld>
@@ -2127,7 +2127,7 @@
     </p:spTree>
     <p:extLst>
       <p:ext uri="{BB962C8B-B14F-4D97-AF65-F5344CB8AC3E}">
-        <p14:creationId xmlns:p14="http://schemas.microsoft.com/office/powerpoint/2010/main" val="537639780"/>
+        <p14:creationId xmlns:p14="http://schemas.microsoft.com/office/powerpoint/2010/main" val="564190225"/>
       </p:ext>
     </p:extLst>
   </p:cSld>
@@ -2159,7 +2159,7 @@
           <p:cNvPr id="2" name="标题 1">
             <a:extLst>
               <a:ext uri="{FF2B5EF4-FFF2-40B4-BE49-F238E27FC236}">
-                <a16:creationId xmlns:a16="http://schemas.microsoft.com/office/drawing/2014/main" id="{4AB7EC37-8C28-62A5-57D0-EE51559B362B}"/>
+                <a16:creationId xmlns:a16="http://schemas.microsoft.com/office/drawing/2014/main" id="{7AFA1EE5-FC66-D26C-67B3-2B31D492E1E9}"/>
               </a:ext>
             </a:extLst>
           </p:cNvPr>
@@ -2196,7 +2196,7 @@
           <p:cNvPr id="3" name="内容占位符 2">
             <a:extLst>
               <a:ext uri="{FF2B5EF4-FFF2-40B4-BE49-F238E27FC236}">
-                <a16:creationId xmlns:a16="http://schemas.microsoft.com/office/drawing/2014/main" id="{5C526086-BBF7-FB3B-0A81-CC0867C627CD}"/>
+                <a16:creationId xmlns:a16="http://schemas.microsoft.com/office/drawing/2014/main" id="{00D69E6C-46B4-9AFE-A9A8-7B485D8CE3FC}"/>
               </a:ext>
             </a:extLst>
           </p:cNvPr>
@@ -2286,7 +2286,7 @@
           <p:cNvPr id="4" name="文本占位符 3">
             <a:extLst>
               <a:ext uri="{FF2B5EF4-FFF2-40B4-BE49-F238E27FC236}">
-                <a16:creationId xmlns:a16="http://schemas.microsoft.com/office/drawing/2014/main" id="{365749E0-E3D0-42B0-8DD6-8B24C8D36E6A}"/>
+                <a16:creationId xmlns:a16="http://schemas.microsoft.com/office/drawing/2014/main" id="{B4529295-ABF9-B5F2-1821-9C397E54852A}"/>
               </a:ext>
             </a:extLst>
           </p:cNvPr>
@@ -2357,7 +2357,7 @@
           <p:cNvPr id="5" name="日期占位符 4">
             <a:extLst>
               <a:ext uri="{FF2B5EF4-FFF2-40B4-BE49-F238E27FC236}">
-                <a16:creationId xmlns:a16="http://schemas.microsoft.com/office/drawing/2014/main" id="{C5CAC52F-F355-FE6B-826D-46930F516570}"/>
+                <a16:creationId xmlns:a16="http://schemas.microsoft.com/office/drawing/2014/main" id="{FB7EAA9A-3B57-60F7-6707-EE84BC55ED8E}"/>
               </a:ext>
             </a:extLst>
           </p:cNvPr>
@@ -2373,7 +2373,7 @@
           <a:bodyPr/>
           <a:lstStyle/>
           <a:p>
-            <a:fld id="{E0B442FA-FBE9-421D-A7C4-5C355EBC7781}" type="datetimeFigureOut">
+            <a:fld id="{68219AEC-8C2E-4F72-9484-A87C92D5657D}" type="datetimeFigureOut">
               <a:rPr lang="zh-CN" altLang="en-US" smtClean="0"/>
               <a:t>2024/3/10</a:t>
             </a:fld>
@@ -2386,7 +2386,7 @@
           <p:cNvPr id="6" name="页脚占位符 5">
             <a:extLst>
               <a:ext uri="{FF2B5EF4-FFF2-40B4-BE49-F238E27FC236}">
-                <a16:creationId xmlns:a16="http://schemas.microsoft.com/office/drawing/2014/main" id="{FEE6EA5F-5319-A81F-27B1-6374389CBBD7}"/>
+                <a16:creationId xmlns:a16="http://schemas.microsoft.com/office/drawing/2014/main" id="{5B5F6C2F-FEEE-43E6-E47C-600C7452A273}"/>
               </a:ext>
             </a:extLst>
           </p:cNvPr>
@@ -2411,7 +2411,7 @@
           <p:cNvPr id="7" name="灯片编号占位符 6">
             <a:extLst>
               <a:ext uri="{FF2B5EF4-FFF2-40B4-BE49-F238E27FC236}">
-                <a16:creationId xmlns:a16="http://schemas.microsoft.com/office/drawing/2014/main" id="{F1AE5644-E2C7-A8A3-B22F-A7403CA34AB7}"/>
+                <a16:creationId xmlns:a16="http://schemas.microsoft.com/office/drawing/2014/main" id="{EB1B5447-BB7F-BDAF-C482-EEF6FC02F846}"/>
               </a:ext>
             </a:extLst>
           </p:cNvPr>
@@ -2427,7 +2427,7 @@
           <a:bodyPr/>
           <a:lstStyle/>
           <a:p>
-            <a:fld id="{55BAD1FC-5321-48B8-9FF8-B36A89BF913E}" type="slidenum">
+            <a:fld id="{CA04013A-AC39-4086-921F-49052E249052}" type="slidenum">
               <a:rPr lang="zh-CN" altLang="en-US" smtClean="0"/>
               <a:t>‹#›</a:t>
             </a:fld>
@@ -2438,7 +2438,7 @@
     </p:spTree>
     <p:extLst>
       <p:ext uri="{BB962C8B-B14F-4D97-AF65-F5344CB8AC3E}">
-        <p14:creationId xmlns:p14="http://schemas.microsoft.com/office/powerpoint/2010/main" val="3407638689"/>
+        <p14:creationId xmlns:p14="http://schemas.microsoft.com/office/powerpoint/2010/main" val="1384429328"/>
       </p:ext>
     </p:extLst>
   </p:cSld>
@@ -2470,7 +2470,7 @@
           <p:cNvPr id="2" name="标题 1">
             <a:extLst>
               <a:ext uri="{FF2B5EF4-FFF2-40B4-BE49-F238E27FC236}">
-                <a16:creationId xmlns:a16="http://schemas.microsoft.com/office/drawing/2014/main" id="{F68CA89C-1234-1402-85FD-25C21D0E800D}"/>
+                <a16:creationId xmlns:a16="http://schemas.microsoft.com/office/drawing/2014/main" id="{8B1F3718-A556-0B63-3CF1-6FE14B962E39}"/>
               </a:ext>
             </a:extLst>
           </p:cNvPr>
@@ -2507,7 +2507,7 @@
           <p:cNvPr id="3" name="图片占位符 2">
             <a:extLst>
               <a:ext uri="{FF2B5EF4-FFF2-40B4-BE49-F238E27FC236}">
-                <a16:creationId xmlns:a16="http://schemas.microsoft.com/office/drawing/2014/main" id="{170BD5EF-5D30-5C77-5087-B82B6161D179}"/>
+                <a16:creationId xmlns:a16="http://schemas.microsoft.com/office/drawing/2014/main" id="{3946E049-EABF-F835-EABE-CDA4E46DF3F0}"/>
               </a:ext>
             </a:extLst>
           </p:cNvPr>
@@ -2574,7 +2574,7 @@
           <p:cNvPr id="4" name="文本占位符 3">
             <a:extLst>
               <a:ext uri="{FF2B5EF4-FFF2-40B4-BE49-F238E27FC236}">
-                <a16:creationId xmlns:a16="http://schemas.microsoft.com/office/drawing/2014/main" id="{0AF3A9B1-389D-AEB1-EF05-5569F9EB51C8}"/>
+                <a16:creationId xmlns:a16="http://schemas.microsoft.com/office/drawing/2014/main" id="{8F525442-DB3B-CE5F-66E7-10527BCFC764}"/>
               </a:ext>
             </a:extLst>
           </p:cNvPr>
@@ -2645,7 +2645,7 @@
           <p:cNvPr id="5" name="日期占位符 4">
             <a:extLst>
               <a:ext uri="{FF2B5EF4-FFF2-40B4-BE49-F238E27FC236}">
-                <a16:creationId xmlns:a16="http://schemas.microsoft.com/office/drawing/2014/main" id="{2332F7D3-7B73-2E33-79B6-67B4A2505218}"/>
+                <a16:creationId xmlns:a16="http://schemas.microsoft.com/office/drawing/2014/main" id="{F1C655FC-D9F8-963B-A6F2-60D50B859EB5}"/>
               </a:ext>
             </a:extLst>
           </p:cNvPr>
@@ -2661,7 +2661,7 @@
           <a:bodyPr/>
           <a:lstStyle/>
           <a:p>
-            <a:fld id="{E0B442FA-FBE9-421D-A7C4-5C355EBC7781}" type="datetimeFigureOut">
+            <a:fld id="{68219AEC-8C2E-4F72-9484-A87C92D5657D}" type="datetimeFigureOut">
               <a:rPr lang="zh-CN" altLang="en-US" smtClean="0"/>
               <a:t>2024/3/10</a:t>
             </a:fld>
@@ -2674,7 +2674,7 @@
           <p:cNvPr id="6" name="页脚占位符 5">
             <a:extLst>
               <a:ext uri="{FF2B5EF4-FFF2-40B4-BE49-F238E27FC236}">
-                <a16:creationId xmlns:a16="http://schemas.microsoft.com/office/drawing/2014/main" id="{A392AC65-01F1-8F74-0087-CDE80F806130}"/>
+                <a16:creationId xmlns:a16="http://schemas.microsoft.com/office/drawing/2014/main" id="{00B10333-821F-5365-850E-2D6B832C85E5}"/>
               </a:ext>
             </a:extLst>
           </p:cNvPr>
@@ -2699,7 +2699,7 @@
           <p:cNvPr id="7" name="灯片编号占位符 6">
             <a:extLst>
               <a:ext uri="{FF2B5EF4-FFF2-40B4-BE49-F238E27FC236}">
-                <a16:creationId xmlns:a16="http://schemas.microsoft.com/office/drawing/2014/main" id="{9A2FF851-72AA-5D7E-93A5-9F2027170701}"/>
+                <a16:creationId xmlns:a16="http://schemas.microsoft.com/office/drawing/2014/main" id="{155B008D-790A-DC94-3C09-550D0E0B8B69}"/>
               </a:ext>
             </a:extLst>
           </p:cNvPr>
@@ -2715,7 +2715,7 @@
           <a:bodyPr/>
           <a:lstStyle/>
           <a:p>
-            <a:fld id="{55BAD1FC-5321-48B8-9FF8-B36A89BF913E}" type="slidenum">
+            <a:fld id="{CA04013A-AC39-4086-921F-49052E249052}" type="slidenum">
               <a:rPr lang="zh-CN" altLang="en-US" smtClean="0"/>
               <a:t>‹#›</a:t>
             </a:fld>
@@ -2726,7 +2726,7 @@
     </p:spTree>
     <p:extLst>
       <p:ext uri="{BB962C8B-B14F-4D97-AF65-F5344CB8AC3E}">
-        <p14:creationId xmlns:p14="http://schemas.microsoft.com/office/powerpoint/2010/main" val="1324915784"/>
+        <p14:creationId xmlns:p14="http://schemas.microsoft.com/office/powerpoint/2010/main" val="2706504443"/>
       </p:ext>
     </p:extLst>
   </p:cSld>
@@ -2763,7 +2763,7 @@
           <p:cNvPr id="2" name="标题占位符 1">
             <a:extLst>
               <a:ext uri="{FF2B5EF4-FFF2-40B4-BE49-F238E27FC236}">
-                <a16:creationId xmlns:a16="http://schemas.microsoft.com/office/drawing/2014/main" id="{0C054E84-D9AA-564D-FB53-FD5585D9610B}"/>
+                <a16:creationId xmlns:a16="http://schemas.microsoft.com/office/drawing/2014/main" id="{520E9411-8D5A-230B-A6E9-B3FCA2073363}"/>
               </a:ext>
             </a:extLst>
           </p:cNvPr>
@@ -2801,7 +2801,7 @@
           <p:cNvPr id="3" name="文本占位符 2">
             <a:extLst>
               <a:ext uri="{FF2B5EF4-FFF2-40B4-BE49-F238E27FC236}">
-                <a16:creationId xmlns:a16="http://schemas.microsoft.com/office/drawing/2014/main" id="{2961EF22-956C-3D98-1A66-71C474CEF9A6}"/>
+                <a16:creationId xmlns:a16="http://schemas.microsoft.com/office/drawing/2014/main" id="{EAF8153A-E8F6-F9C2-B6FF-ECA968EE1202}"/>
               </a:ext>
             </a:extLst>
           </p:cNvPr>
@@ -2868,7 +2868,7 @@
           <p:cNvPr id="4" name="日期占位符 3">
             <a:extLst>
               <a:ext uri="{FF2B5EF4-FFF2-40B4-BE49-F238E27FC236}">
-                <a16:creationId xmlns:a16="http://schemas.microsoft.com/office/drawing/2014/main" id="{48F675CE-D750-62E5-9DAA-FB4704B3CDFE}"/>
+                <a16:creationId xmlns:a16="http://schemas.microsoft.com/office/drawing/2014/main" id="{2EA223D0-A3C4-8204-7530-D87BAFC53CEB}"/>
               </a:ext>
             </a:extLst>
           </p:cNvPr>
@@ -2902,7 +2902,7 @@
             </a:lvl1pPr>
           </a:lstStyle>
           <a:p>
-            <a:fld id="{E0B442FA-FBE9-421D-A7C4-5C355EBC7781}" type="datetimeFigureOut">
+            <a:fld id="{68219AEC-8C2E-4F72-9484-A87C92D5657D}" type="datetimeFigureOut">
               <a:rPr lang="zh-CN" altLang="en-US" smtClean="0"/>
               <a:t>2024/3/10</a:t>
             </a:fld>
@@ -2915,7 +2915,7 @@
           <p:cNvPr id="5" name="页脚占位符 4">
             <a:extLst>
               <a:ext uri="{FF2B5EF4-FFF2-40B4-BE49-F238E27FC236}">
-                <a16:creationId xmlns:a16="http://schemas.microsoft.com/office/drawing/2014/main" id="{A7DC3F6C-7133-B1C0-4054-06B9FF994D45}"/>
+                <a16:creationId xmlns:a16="http://schemas.microsoft.com/office/drawing/2014/main" id="{85958073-E7A9-BF9A-084B-A2CBCA13B698}"/>
               </a:ext>
             </a:extLst>
           </p:cNvPr>
@@ -2958,7 +2958,7 @@
           <p:cNvPr id="6" name="灯片编号占位符 5">
             <a:extLst>
               <a:ext uri="{FF2B5EF4-FFF2-40B4-BE49-F238E27FC236}">
-                <a16:creationId xmlns:a16="http://schemas.microsoft.com/office/drawing/2014/main" id="{6B22961C-5A2B-5038-17C1-C16A51D56083}"/>
+                <a16:creationId xmlns:a16="http://schemas.microsoft.com/office/drawing/2014/main" id="{E12004E5-0EFE-C7D7-161E-D2DF1EC547DB}"/>
               </a:ext>
             </a:extLst>
           </p:cNvPr>
@@ -2992,7 +2992,7 @@
             </a:lvl1pPr>
           </a:lstStyle>
           <a:p>
-            <a:fld id="{55BAD1FC-5321-48B8-9FF8-B36A89BF913E}" type="slidenum">
+            <a:fld id="{CA04013A-AC39-4086-921F-49052E249052}" type="slidenum">
               <a:rPr lang="zh-CN" altLang="en-US" smtClean="0"/>
               <a:t>‹#›</a:t>
             </a:fld>
@@ -3003,7 +3003,7 @@
     </p:spTree>
     <p:extLst>
       <p:ext uri="{BB962C8B-B14F-4D97-AF65-F5344CB8AC3E}">
-        <p14:creationId xmlns:p14="http://schemas.microsoft.com/office/powerpoint/2010/main" val="445073645"/>
+        <p14:creationId xmlns:p14="http://schemas.microsoft.com/office/powerpoint/2010/main" val="313596575"/>
       </p:ext>
     </p:extLst>
   </p:cSld>
